--- a/03/009x_33.pptx
+++ b/03/009x_33.pptx
@@ -152,7 +152,7 @@
   </p:defaultTextStyle>
   <p:extLst>
     <p:ext uri="{EFAFB233-063F-42B5-8137-9DF3F51BA10A}">
-      <p15:sldGuideLst xmlns="" xmlns:p15="http://schemas.microsoft.com/office/powerpoint/2012/main">
+      <p15:sldGuideLst xmlns:p15="http://schemas.microsoft.com/office/powerpoint/2012/main" xmlns="">
         <p15:guide id="1" orient="horz" pos="2160" userDrawn="1">
           <p15:clr>
             <a:srgbClr val="A4A3A4"/>
@@ -251,7 +251,7 @@
           <a:p>
             <a:fld id="{0412B963-281D-0642-81B7-06A60C2985AD}" type="datetime1">
               <a:rPr kumimoji="1" lang="ja-JP" altLang="en-US" smtClean="0"/>
-              <a:t>17/04/09</a:t>
+              <a:t>17/04/15</a:t>
             </a:fld>
             <a:endParaRPr kumimoji="1" lang="ja-JP" altLang="en-US"/>
           </a:p>
@@ -441,7 +441,7 @@
             </a:pPr>
             <a:fld id="{0EE9D497-FB4E-3041-93C1-90E0C07422CD}" type="datetime1">
               <a:rPr lang="ja-JP" altLang="en-US" smtClean="0"/>
-              <a:t>17/04/09</a:t>
+              <a:t>17/04/15</a:t>
             </a:fld>
             <a:endParaRPr lang="en-US"/>
           </a:p>
@@ -3488,7 +3488,7 @@
             </a:pPr>
             <a:fld id="{A023B52E-C3FC-A848-B8A7-4DBA8B1017FE}" type="datetime1">
               <a:rPr lang="ja-JP" altLang="en-US" smtClean="0"/>
-              <a:t>17/04/09</a:t>
+              <a:t>17/04/15</a:t>
             </a:fld>
             <a:endParaRPr lang="en-US"/>
           </a:p>
@@ -3745,7 +3745,7 @@
             </a:pPr>
             <a:fld id="{2DE75801-1A6B-394A-B005-5786EC074A9B}" type="datetime1">
               <a:rPr lang="ja-JP" altLang="en-US" smtClean="0"/>
-              <a:t>17/04/09</a:t>
+              <a:t>17/04/15</a:t>
             </a:fld>
             <a:endParaRPr lang="en-US"/>
           </a:p>
@@ -3980,7 +3980,7 @@
             </a:pPr>
             <a:fld id="{073DB193-1D39-D94F-8E40-C5EC80DBC0CC}" type="datetime1">
               <a:rPr lang="ja-JP" altLang="en-US" smtClean="0"/>
-              <a:t>17/04/09</a:t>
+              <a:t>17/04/15</a:t>
             </a:fld>
             <a:endParaRPr lang="en-US"/>
           </a:p>
@@ -4485,7 +4485,7 @@
             </a:pPr>
             <a:fld id="{7D58C5EB-780A-E642-8BB9-48AF6B9A0C93}" type="datetime1">
               <a:rPr lang="ja-JP" altLang="en-US" smtClean="0"/>
-              <a:t>17/04/09</a:t>
+              <a:t>17/04/15</a:t>
             </a:fld>
             <a:endParaRPr lang="en-US"/>
           </a:p>
@@ -4793,7 +4793,7 @@
             </a:pPr>
             <a:fld id="{EC559CBC-7087-6D41-8C71-6B6BCC6E0EE3}" type="datetime1">
               <a:rPr lang="ja-JP" altLang="en-US" smtClean="0"/>
-              <a:t>17/04/09</a:t>
+              <a:t>17/04/15</a:t>
             </a:fld>
             <a:endParaRPr lang="en-US"/>
           </a:p>
@@ -5455,7 +5455,7 @@
             </a:pPr>
             <a:fld id="{342E31EE-E339-0841-B520-05F3A10B4FBF}" type="datetime1">
               <a:rPr lang="ja-JP" altLang="en-US" smtClean="0"/>
-              <a:t>17/04/09</a:t>
+              <a:t>17/04/15</a:t>
             </a:fld>
             <a:endParaRPr lang="en-US"/>
           </a:p>
@@ -6247,7 +6247,7 @@
             </a:pPr>
             <a:fld id="{9C45F164-7935-224C-A922-3217B740A4E7}" type="datetime1">
               <a:rPr lang="ja-JP" altLang="en-US" smtClean="0"/>
-              <a:t>17/04/09</a:t>
+              <a:t>17/04/15</a:t>
             </a:fld>
             <a:endParaRPr lang="en-US"/>
           </a:p>
@@ -6684,7 +6684,7 @@
             </a:pPr>
             <a:fld id="{84905C6B-2FEB-1741-BBF6-BD111E1D4EA0}" type="datetime1">
               <a:rPr lang="ja-JP" altLang="en-US" smtClean="0"/>
-              <a:t>17/04/09</a:t>
+              <a:t>17/04/15</a:t>
             </a:fld>
             <a:endParaRPr lang="en-US"/>
           </a:p>
@@ -7015,7 +7015,7 @@
             </a:pPr>
             <a:fld id="{331FF03F-3229-1D47-9BC7-23D3C122EEFB}" type="datetime1">
               <a:rPr lang="ja-JP" altLang="en-US" smtClean="0"/>
-              <a:t>17/04/09</a:t>
+              <a:t>17/04/15</a:t>
             </a:fld>
             <a:endParaRPr lang="en-US"/>
           </a:p>
@@ -7365,7 +7365,7 @@
             </a:pPr>
             <a:fld id="{9B242E05-CAC7-5E43-8B86-8A3E0256E9A3}" type="datetime1">
               <a:rPr lang="ja-JP" altLang="en-US" smtClean="0"/>
-              <a:t>17/04/09</a:t>
+              <a:t>17/04/15</a:t>
             </a:fld>
             <a:endParaRPr lang="en-US"/>
           </a:p>
@@ -7648,7 +7648,7 @@
             </a:pPr>
             <a:fld id="{60626716-BD6C-D348-A5AA-41DF31DB35E1}" type="datetime1">
               <a:rPr lang="ja-JP" altLang="en-US" smtClean="0"/>
-              <a:t>17/04/09</a:t>
+              <a:t>17/04/15</a:t>
             </a:fld>
             <a:endParaRPr lang="en-US"/>
           </a:p>
@@ -7939,7 +7939,7 @@
             </a:pPr>
             <a:fld id="{2062BAB6-2670-A84E-B27B-9C88D5D27877}" type="datetime1">
               <a:rPr lang="ja-JP" altLang="en-US" smtClean="0"/>
-              <a:t>17/04/09</a:t>
+              <a:t>17/04/15</a:t>
             </a:fld>
             <a:endParaRPr lang="en-US"/>
           </a:p>
@@ -8727,25 +8727,25 @@
           <p:nvPr>
             <p:extLst>
               <p:ext uri="{D42A27DB-BD31-4B8C-83A1-F6EECF244321}">
-                <p14:modId xmlns:p14="http://schemas.microsoft.com/office/powerpoint/2010/main" val="2884000380"/>
+                <p14:modId xmlns:p14="http://schemas.microsoft.com/office/powerpoint/2010/main" val="346317171"/>
               </p:ext>
             </p:extLst>
           </p:nvPr>
         </p:nvGraphicFramePr>
         <p:xfrm>
-          <a:off x="551384" y="1211064"/>
-          <a:ext cx="11239500" cy="2794000"/>
+          <a:off x="550863" y="1053554"/>
+          <a:ext cx="11239500" cy="5111750"/>
         </p:xfrm>
         <a:graphic>
           <a:graphicData uri="http://schemas.openxmlformats.org/presentationml/2006/ole">
             <mc:AlternateContent xmlns:mc="http://schemas.openxmlformats.org/markup-compatibility/2006">
               <mc:Choice xmlns:v="urn:schemas-microsoft-com:vml" Requires="v">
-                <p:oleObj spid="_x0000_s7573" name="文書" r:id="rId5" imgW="4495800" imgH="1117600" progId="Word.Document.12">
+                <p:oleObj spid="_x0000_s7599" name="文書" r:id="rId4" imgW="4495800" imgH="2044700" progId="Word.Document.12">
                   <p:embed/>
                 </p:oleObj>
               </mc:Choice>
               <mc:Fallback>
-                <p:oleObj name="文書" r:id="rId5" imgW="4495800" imgH="1117600" progId="Word.Document.12">
+                <p:oleObj name="文書" r:id="rId4" imgW="4495800" imgH="2044700" progId="Word.Document.12">
                   <p:embed/>
                   <p:pic>
                     <p:nvPicPr>
@@ -8754,15 +8754,15 @@
                       <p:nvPr/>
                     </p:nvPicPr>
                     <p:blipFill>
-                      <a:blip r:embed="rId6"/>
+                      <a:blip r:embed="rId5"/>
                       <a:stretch>
                         <a:fillRect/>
                       </a:stretch>
                     </p:blipFill>
                     <p:spPr>
                       <a:xfrm>
-                        <a:off x="551384" y="1211064"/>
-                        <a:ext cx="11239500" cy="2794000"/>
+                        <a:off x="550863" y="1053554"/>
+                        <a:ext cx="11239500" cy="5111750"/>
                       </a:xfrm>
                       <a:prstGeom prst="rect">
                         <a:avLst/>
@@ -8797,12 +8797,12 @@
           <a:graphicData uri="http://schemas.openxmlformats.org/presentationml/2006/ole">
             <mc:AlternateContent xmlns:mc="http://schemas.openxmlformats.org/markup-compatibility/2006">
               <mc:Choice xmlns:v="urn:schemas-microsoft-com:vml" Requires="v">
-                <p:oleObj spid="_x0000_s7574" name="Equation" r:id="rId7" imgW="571500" imgH="304800" progId="Equation.DSMT4">
+                <p:oleObj spid="_x0000_s7600" name="Equation" r:id="rId6" imgW="571500" imgH="304800" progId="Equation.DSMT4">
                   <p:embed/>
                 </p:oleObj>
               </mc:Choice>
               <mc:Fallback>
-                <p:oleObj name="Equation" r:id="rId7" imgW="571500" imgH="304800" progId="Equation.DSMT4">
+                <p:oleObj name="Equation" r:id="rId6" imgW="571500" imgH="304800" progId="Equation.DSMT4">
                   <p:embed/>
                   <p:pic>
                     <p:nvPicPr>
@@ -8811,7 +8811,7 @@
                       <p:nvPr/>
                     </p:nvPicPr>
                     <p:blipFill>
-                      <a:blip r:embed="rId8"/>
+                      <a:blip r:embed="rId7"/>
                       <a:stretch>
                         <a:fillRect/>
                       </a:stretch>
@@ -8857,12 +8857,12 @@
           <a:graphicData uri="http://schemas.openxmlformats.org/presentationml/2006/ole">
             <mc:AlternateContent xmlns:mc="http://schemas.openxmlformats.org/markup-compatibility/2006">
               <mc:Choice xmlns:v="urn:schemas-microsoft-com:vml" Requires="v">
-                <p:oleObj spid="_x0000_s7575" name="Equation" r:id="rId9" imgW="88900" imgH="139700" progId="Equation.DSMT4">
+                <p:oleObj spid="_x0000_s7601" name="Equation" r:id="rId8" imgW="88900" imgH="139700" progId="Equation.DSMT4">
                   <p:embed/>
                 </p:oleObj>
               </mc:Choice>
               <mc:Fallback>
-                <p:oleObj name="Equation" r:id="rId9" imgW="88900" imgH="139700" progId="Equation.DSMT4">
+                <p:oleObj name="Equation" r:id="rId8" imgW="88900" imgH="139700" progId="Equation.DSMT4">
                   <p:embed/>
                   <p:pic>
                     <p:nvPicPr>
@@ -8871,7 +8871,7 @@
                       <p:nvPr/>
                     </p:nvPicPr>
                     <p:blipFill>
-                      <a:blip r:embed="rId10"/>
+                      <a:blip r:embed="rId9"/>
                       <a:stretch>
                         <a:fillRect/>
                       </a:stretch>
@@ -8914,12 +8914,12 @@
           <a:graphicData uri="http://schemas.openxmlformats.org/presentationml/2006/ole">
             <mc:AlternateContent xmlns:mc="http://schemas.openxmlformats.org/markup-compatibility/2006">
               <mc:Choice xmlns:v="urn:schemas-microsoft-com:vml" Requires="v">
-                <p:oleObj spid="_x0000_s7576" name="Equation" r:id="rId11" imgW="114300" imgH="152400" progId="Equation.DSMT4">
+                <p:oleObj spid="_x0000_s7602" name="Equation" r:id="rId10" imgW="114300" imgH="152400" progId="Equation.DSMT4">
                   <p:embed/>
                 </p:oleObj>
               </mc:Choice>
               <mc:Fallback>
-                <p:oleObj name="Equation" r:id="rId11" imgW="114300" imgH="152400" progId="Equation.DSMT4">
+                <p:oleObj name="Equation" r:id="rId10" imgW="114300" imgH="152400" progId="Equation.DSMT4">
                   <p:embed/>
                   <p:pic>
                     <p:nvPicPr>
@@ -8928,7 +8928,7 @@
                       <p:nvPr/>
                     </p:nvPicPr>
                     <p:blipFill>
-                      <a:blip r:embed="rId12"/>
+                      <a:blip r:embed="rId11"/>
                       <a:stretch>
                         <a:fillRect/>
                       </a:stretch>
@@ -8994,7 +8994,7 @@
           <p:nvPr/>
         </p:nvPicPr>
         <p:blipFill rotWithShape="1">
-          <a:blip r:embed="rId13"/>
+          <a:blip r:embed="rId12"/>
           <a:srcRect l="24899" t="35165" r="10629" b="22286"/>
           <a:stretch/>
         </p:blipFill>
@@ -9102,12 +9102,12 @@
           <a:graphicData uri="http://schemas.openxmlformats.org/presentationml/2006/ole">
             <mc:AlternateContent xmlns:mc="http://schemas.openxmlformats.org/markup-compatibility/2006">
               <mc:Choice xmlns:v="urn:schemas-microsoft-com:vml" Requires="v">
-                <p:oleObj spid="_x0000_s7577" name="Equation" r:id="rId14" imgW="114300" imgH="152400" progId="Equation.DSMT4">
+                <p:oleObj spid="_x0000_s7603" name="Equation" r:id="rId13" imgW="114300" imgH="152400" progId="Equation.DSMT4">
                   <p:embed/>
                 </p:oleObj>
               </mc:Choice>
               <mc:Fallback>
-                <p:oleObj name="Equation" r:id="rId14" imgW="114300" imgH="152400" progId="Equation.DSMT4">
+                <p:oleObj name="Equation" r:id="rId13" imgW="114300" imgH="152400" progId="Equation.DSMT4">
                   <p:embed/>
                   <p:pic>
                     <p:nvPicPr>
@@ -9116,7 +9116,7 @@
                       <p:nvPr/>
                     </p:nvPicPr>
                     <p:blipFill>
-                      <a:blip r:embed="rId15"/>
+                      <a:blip r:embed="rId14"/>
                       <a:stretch>
                         <a:fillRect/>
                       </a:stretch>
@@ -9327,7 +9327,7 @@
           <a:graphicData uri="http://schemas.openxmlformats.org/presentationml/2006/ole">
             <mc:AlternateContent xmlns:mc="http://schemas.openxmlformats.org/markup-compatibility/2006">
               <mc:Choice xmlns:v="urn:schemas-microsoft-com:vml" Requires="v">
-                <p:oleObj spid="_x0000_s8275" name="文書" r:id="rId4" imgW="4495800" imgH="2006600" progId="Word.Document.12">
+                <p:oleObj spid="_x0000_s8281" name="文書" r:id="rId4" imgW="4495800" imgH="2006600" progId="Word.Document.12">
                   <p:embed/>
                 </p:oleObj>
               </mc:Choice>
@@ -9507,12 +9507,12 @@
           <a:graphicData uri="http://schemas.openxmlformats.org/presentationml/2006/ole">
             <mc:AlternateContent xmlns:mc="http://schemas.openxmlformats.org/markup-compatibility/2006">
               <mc:Choice xmlns:v="urn:schemas-microsoft-com:vml" Requires="v">
-                <p:oleObj spid="_x0000_s1474" name="文書" r:id="rId5" imgW="4495800" imgH="1943100" progId="Word.Document.12">
+                <p:oleObj spid="_x0000_s1485" name="文書" r:id="rId4" imgW="4495800" imgH="1943100" progId="Word.Document.12">
                   <p:embed/>
                 </p:oleObj>
               </mc:Choice>
               <mc:Fallback>
-                <p:oleObj name="文書" r:id="rId5" imgW="4495800" imgH="1943100" progId="Word.Document.12">
+                <p:oleObj name="文書" r:id="rId4" imgW="4495800" imgH="1943100" progId="Word.Document.12">
                   <p:embed/>
                   <p:pic>
                     <p:nvPicPr>
@@ -9521,7 +9521,7 @@
                       <p:nvPr/>
                     </p:nvPicPr>
                     <p:blipFill>
-                      <a:blip r:embed="rId6"/>
+                      <a:blip r:embed="rId5"/>
                       <a:stretch>
                         <a:fillRect/>
                       </a:stretch>
@@ -9564,12 +9564,12 @@
           <a:graphicData uri="http://schemas.openxmlformats.org/presentationml/2006/ole">
             <mc:AlternateContent xmlns:mc="http://schemas.openxmlformats.org/markup-compatibility/2006">
               <mc:Choice xmlns:v="urn:schemas-microsoft-com:vml" Requires="v">
-                <p:oleObj spid="_x0000_s1475" name="文書" r:id="rId8" imgW="5397500" imgH="1689100" progId="Word.Document.12">
+                <p:oleObj spid="_x0000_s1486" name="文書" r:id="rId6" imgW="5397500" imgH="1689100" progId="Word.Document.12">
                   <p:embed/>
                 </p:oleObj>
               </mc:Choice>
               <mc:Fallback>
-                <p:oleObj name="文書" r:id="rId8" imgW="5397500" imgH="1689100" progId="Word.Document.12">
+                <p:oleObj name="文書" r:id="rId6" imgW="5397500" imgH="1689100" progId="Word.Document.12">
                   <p:embed/>
                   <p:pic>
                     <p:nvPicPr>
@@ -9578,7 +9578,7 @@
                       <p:nvPr/>
                     </p:nvPicPr>
                     <p:blipFill>
-                      <a:blip r:embed="rId9"/>
+                      <a:blip r:embed="rId7"/>
                       <a:stretch>
                         <a:fillRect/>
                       </a:stretch>
@@ -9749,12 +9749,12 @@
           <a:graphicData uri="http://schemas.openxmlformats.org/presentationml/2006/ole">
             <mc:AlternateContent xmlns:mc="http://schemas.openxmlformats.org/markup-compatibility/2006">
               <mc:Choice xmlns:v="urn:schemas-microsoft-com:vml" Requires="v">
-                <p:oleObj spid="_x0000_s2155" name="文書" r:id="rId5" imgW="4495800" imgH="1714500" progId="Word.Document.12">
+                <p:oleObj spid="_x0000_s2161" name="文書" r:id="rId4" imgW="4495800" imgH="1714500" progId="Word.Document.12">
                   <p:embed/>
                 </p:oleObj>
               </mc:Choice>
               <mc:Fallback>
-                <p:oleObj name="文書" r:id="rId5" imgW="4495800" imgH="1714500" progId="Word.Document.12">
+                <p:oleObj name="文書" r:id="rId4" imgW="4495800" imgH="1714500" progId="Word.Document.12">
                   <p:embed/>
                   <p:pic>
                     <p:nvPicPr>
@@ -9763,7 +9763,7 @@
                       <p:nvPr/>
                     </p:nvPicPr>
                     <p:blipFill>
-                      <a:blip r:embed="rId6"/>
+                      <a:blip r:embed="rId5"/>
                       <a:stretch>
                         <a:fillRect/>
                       </a:stretch>
@@ -9933,12 +9933,12 @@
           <a:graphicData uri="http://schemas.openxmlformats.org/presentationml/2006/ole">
             <mc:AlternateContent xmlns:mc="http://schemas.openxmlformats.org/markup-compatibility/2006">
               <mc:Choice xmlns:v="urn:schemas-microsoft-com:vml" Requires="v">
-                <p:oleObj spid="_x0000_s3176" name="Document" r:id="rId5" imgW="4495800" imgH="1549400" progId="Word.Document.12">
+                <p:oleObj spid="_x0000_s3182" name="Document" r:id="rId4" imgW="4495800" imgH="1549400" progId="Word.Document.12">
                   <p:embed/>
                 </p:oleObj>
               </mc:Choice>
               <mc:Fallback>
-                <p:oleObj name="Document" r:id="rId5" imgW="4495800" imgH="1549400" progId="Word.Document.12">
+                <p:oleObj name="Document" r:id="rId4" imgW="4495800" imgH="1549400" progId="Word.Document.12">
                   <p:embed/>
                   <p:pic>
                     <p:nvPicPr>
@@ -9947,7 +9947,7 @@
                       <p:nvPr/>
                     </p:nvPicPr>
                     <p:blipFill>
-                      <a:blip r:embed="rId6"/>
+                      <a:blip r:embed="rId5"/>
                       <a:stretch>
                         <a:fillRect/>
                       </a:stretch>
@@ -10117,12 +10117,12 @@
           <a:graphicData uri="http://schemas.openxmlformats.org/presentationml/2006/ole">
             <mc:AlternateContent xmlns:mc="http://schemas.openxmlformats.org/markup-compatibility/2006">
               <mc:Choice xmlns:v="urn:schemas-microsoft-com:vml" Requires="v">
-                <p:oleObj spid="_x0000_s4224" name="文書" r:id="rId5" imgW="4495800" imgH="2286000" progId="Word.Document.12">
+                <p:oleObj spid="_x0000_s4230" name="文書" r:id="rId4" imgW="4495800" imgH="2286000" progId="Word.Document.12">
                   <p:embed/>
                 </p:oleObj>
               </mc:Choice>
               <mc:Fallback>
-                <p:oleObj name="文書" r:id="rId5" imgW="4495800" imgH="2286000" progId="Word.Document.12">
+                <p:oleObj name="文書" r:id="rId4" imgW="4495800" imgH="2286000" progId="Word.Document.12">
                   <p:embed/>
                   <p:pic>
                     <p:nvPicPr>
@@ -10131,7 +10131,7 @@
                       <p:nvPr/>
                     </p:nvPicPr>
                     <p:blipFill>
-                      <a:blip r:embed="rId6"/>
+                      <a:blip r:embed="rId5"/>
                       <a:stretch>
                         <a:fillRect/>
                       </a:stretch>
@@ -10435,12 +10435,12 @@
           <a:graphicData uri="http://schemas.openxmlformats.org/presentationml/2006/ole">
             <mc:AlternateContent xmlns:mc="http://schemas.openxmlformats.org/markup-compatibility/2006">
               <mc:Choice xmlns:v="urn:schemas-microsoft-com:vml" Requires="v">
-                <p:oleObj spid="_x0000_s10251" name="文書" r:id="rId5" imgW="4495800" imgH="2286000" progId="Word.Document.12">
+                <p:oleObj spid="_x0000_s10257" name="文書" r:id="rId4" imgW="4495800" imgH="2286000" progId="Word.Document.12">
                   <p:embed/>
                 </p:oleObj>
               </mc:Choice>
               <mc:Fallback>
-                <p:oleObj name="文書" r:id="rId5" imgW="4495800" imgH="2286000" progId="Word.Document.12">
+                <p:oleObj name="文書" r:id="rId4" imgW="4495800" imgH="2286000" progId="Word.Document.12">
                   <p:embed/>
                   <p:pic>
                     <p:nvPicPr>
@@ -10449,7 +10449,7 @@
                       <p:nvPr/>
                     </p:nvPicPr>
                     <p:blipFill>
-                      <a:blip r:embed="rId6"/>
+                      <a:blip r:embed="rId5"/>
                       <a:stretch>
                         <a:fillRect/>
                       </a:stretch>
@@ -10753,12 +10753,12 @@
           <a:graphicData uri="http://schemas.openxmlformats.org/presentationml/2006/ole">
             <mc:AlternateContent xmlns:mc="http://schemas.openxmlformats.org/markup-compatibility/2006">
               <mc:Choice xmlns:v="urn:schemas-microsoft-com:vml" Requires="v">
-                <p:oleObj spid="_x0000_s11275" name="文書" r:id="rId5" imgW="4495800" imgH="2286000" progId="Word.Document.12">
+                <p:oleObj spid="_x0000_s11281" name="文書" r:id="rId4" imgW="4495800" imgH="2286000" progId="Word.Document.12">
                   <p:embed/>
                 </p:oleObj>
               </mc:Choice>
               <mc:Fallback>
-                <p:oleObj name="文書" r:id="rId5" imgW="4495800" imgH="2286000" progId="Word.Document.12">
+                <p:oleObj name="文書" r:id="rId4" imgW="4495800" imgH="2286000" progId="Word.Document.12">
                   <p:embed/>
                   <p:pic>
                     <p:nvPicPr>
@@ -10767,7 +10767,7 @@
                       <p:nvPr/>
                     </p:nvPicPr>
                     <p:blipFill>
-                      <a:blip r:embed="rId6"/>
+                      <a:blip r:embed="rId5"/>
                       <a:stretch>
                         <a:fillRect/>
                       </a:stretch>
@@ -11024,12 +11024,12 @@
           <a:graphicData uri="http://schemas.openxmlformats.org/presentationml/2006/ole">
             <mc:AlternateContent xmlns:mc="http://schemas.openxmlformats.org/markup-compatibility/2006">
               <mc:Choice xmlns:v="urn:schemas-microsoft-com:vml" Requires="v">
-                <p:oleObj spid="_x0000_s6239" name="Document" r:id="rId5" imgW="4495800" imgH="2019300" progId="Word.Document.12">
+                <p:oleObj spid="_x0000_s6245" name="Document" r:id="rId4" imgW="4495800" imgH="2019300" progId="Word.Document.12">
                   <p:embed/>
                 </p:oleObj>
               </mc:Choice>
               <mc:Fallback>
-                <p:oleObj name="Document" r:id="rId5" imgW="4495800" imgH="2019300" progId="Word.Document.12">
+                <p:oleObj name="Document" r:id="rId4" imgW="4495800" imgH="2019300" progId="Word.Document.12">
                   <p:embed/>
                   <p:pic>
                     <p:nvPicPr>
@@ -11038,7 +11038,7 @@
                       <p:nvPr/>
                     </p:nvPicPr>
                     <p:blipFill>
-                      <a:blip r:embed="rId6"/>
+                      <a:blip r:embed="rId5"/>
                       <a:stretch>
                         <a:fillRect/>
                       </a:stretch>
@@ -11208,12 +11208,12 @@
           <a:graphicData uri="http://schemas.openxmlformats.org/presentationml/2006/ole">
             <mc:AlternateContent xmlns:mc="http://schemas.openxmlformats.org/markup-compatibility/2006">
               <mc:Choice xmlns:v="urn:schemas-microsoft-com:vml" Requires="v">
-                <p:oleObj spid="_x0000_s5670" name="Document" r:id="rId5" imgW="4495800" imgH="1028700" progId="Word.Document.12">
+                <p:oleObj spid="_x0000_s5701" name="Document" r:id="rId4" imgW="4495800" imgH="1028700" progId="Word.Document.12">
                   <p:embed/>
                 </p:oleObj>
               </mc:Choice>
               <mc:Fallback>
-                <p:oleObj name="Document" r:id="rId5" imgW="4495800" imgH="1028700" progId="Word.Document.12">
+                <p:oleObj name="Document" r:id="rId4" imgW="4495800" imgH="1028700" progId="Word.Document.12">
                   <p:embed/>
                   <p:pic>
                     <p:nvPicPr>
@@ -11222,7 +11222,7 @@
                       <p:nvPr/>
                     </p:nvPicPr>
                     <p:blipFill>
-                      <a:blip r:embed="rId6"/>
+                      <a:blip r:embed="rId5"/>
                       <a:stretch>
                         <a:fillRect/>
                       </a:stretch>
@@ -11387,12 +11387,12 @@
             <a:graphicData uri="http://schemas.openxmlformats.org/presentationml/2006/ole">
               <mc:AlternateContent xmlns:mc="http://schemas.openxmlformats.org/markup-compatibility/2006">
                 <mc:Choice xmlns:v="urn:schemas-microsoft-com:vml" Requires="v">
-                  <p:oleObj spid="_x0000_s5671" name="Equation" r:id="rId7" imgW="317500" imgH="203200" progId="Equation.DSMT4">
+                  <p:oleObj spid="_x0000_s5702" name="Equation" r:id="rId6" imgW="317500" imgH="203200" progId="Equation.DSMT4">
                     <p:embed/>
                   </p:oleObj>
                 </mc:Choice>
                 <mc:Fallback>
-                  <p:oleObj name="Equation" r:id="rId7" imgW="317500" imgH="203200" progId="Equation.DSMT4">
+                  <p:oleObj name="Equation" r:id="rId6" imgW="317500" imgH="203200" progId="Equation.DSMT4">
                     <p:embed/>
                     <p:pic>
                       <p:nvPicPr>
@@ -11401,7 +11401,7 @@
                         <p:nvPr/>
                       </p:nvPicPr>
                       <p:blipFill>
-                        <a:blip r:embed="rId8"/>
+                        <a:blip r:embed="rId7"/>
                         <a:stretch>
                           <a:fillRect/>
                         </a:stretch>
@@ -11447,12 +11447,12 @@
             <a:graphicData uri="http://schemas.openxmlformats.org/presentationml/2006/ole">
               <mc:AlternateContent xmlns:mc="http://schemas.openxmlformats.org/markup-compatibility/2006">
                 <mc:Choice xmlns:v="urn:schemas-microsoft-com:vml" Requires="v">
-                  <p:oleObj spid="_x0000_s5672" name="Equation" r:id="rId9" imgW="88900" imgH="139700" progId="Equation.DSMT4">
+                  <p:oleObj spid="_x0000_s5703" name="Equation" r:id="rId8" imgW="88900" imgH="139700" progId="Equation.DSMT4">
                     <p:embed/>
                   </p:oleObj>
                 </mc:Choice>
                 <mc:Fallback>
-                  <p:oleObj name="Equation" r:id="rId9" imgW="88900" imgH="139700" progId="Equation.DSMT4">
+                  <p:oleObj name="Equation" r:id="rId8" imgW="88900" imgH="139700" progId="Equation.DSMT4">
                     <p:embed/>
                     <p:pic>
                       <p:nvPicPr>
@@ -11461,7 +11461,7 @@
                         <p:nvPr/>
                       </p:nvPicPr>
                       <p:blipFill>
-                        <a:blip r:embed="rId10"/>
+                        <a:blip r:embed="rId9"/>
                         <a:stretch>
                           <a:fillRect/>
                         </a:stretch>
@@ -11504,12 +11504,12 @@
             <a:graphicData uri="http://schemas.openxmlformats.org/presentationml/2006/ole">
               <mc:AlternateContent xmlns:mc="http://schemas.openxmlformats.org/markup-compatibility/2006">
                 <mc:Choice xmlns:v="urn:schemas-microsoft-com:vml" Requires="v">
-                  <p:oleObj spid="_x0000_s5673" name="Equation" r:id="rId11" imgW="114300" imgH="152400" progId="Equation.DSMT4">
+                  <p:oleObj spid="_x0000_s5704" name="Equation" r:id="rId10" imgW="114300" imgH="152400" progId="Equation.DSMT4">
                     <p:embed/>
                   </p:oleObj>
                 </mc:Choice>
                 <mc:Fallback>
-                  <p:oleObj name="Equation" r:id="rId11" imgW="114300" imgH="152400" progId="Equation.DSMT4">
+                  <p:oleObj name="Equation" r:id="rId10" imgW="114300" imgH="152400" progId="Equation.DSMT4">
                     <p:embed/>
                     <p:pic>
                       <p:nvPicPr>
@@ -11518,7 +11518,7 @@
                         <p:nvPr/>
                       </p:nvPicPr>
                       <p:blipFill>
-                        <a:blip r:embed="rId12"/>
+                        <a:blip r:embed="rId11"/>
                         <a:stretch>
                           <a:fillRect/>
                         </a:stretch>
@@ -11633,12 +11633,12 @@
             <a:graphicData uri="http://schemas.openxmlformats.org/presentationml/2006/ole">
               <mc:AlternateContent xmlns:mc="http://schemas.openxmlformats.org/markup-compatibility/2006">
                 <mc:Choice xmlns:v="urn:schemas-microsoft-com:vml" Requires="v">
-                  <p:oleObj spid="_x0000_s5674" name="Equation" r:id="rId13" imgW="177800" imgH="241300" progId="Equation.DSMT4">
+                  <p:oleObj spid="_x0000_s5705" name="Equation" r:id="rId12" imgW="177800" imgH="241300" progId="Equation.DSMT4">
                     <p:embed/>
                   </p:oleObj>
                 </mc:Choice>
                 <mc:Fallback>
-                  <p:oleObj name="Equation" r:id="rId13" imgW="177800" imgH="241300" progId="Equation.DSMT4">
+                  <p:oleObj name="Equation" r:id="rId12" imgW="177800" imgH="241300" progId="Equation.DSMT4">
                     <p:embed/>
                     <p:pic>
                       <p:nvPicPr>
@@ -11647,7 +11647,7 @@
                         <p:nvPr/>
                       </p:nvPicPr>
                       <p:blipFill>
-                        <a:blip r:embed="rId14"/>
+                        <a:blip r:embed="rId13"/>
                         <a:stretch>
                           <a:fillRect/>
                         </a:stretch>
@@ -11693,12 +11693,12 @@
             <a:graphicData uri="http://schemas.openxmlformats.org/presentationml/2006/ole">
               <mc:AlternateContent xmlns:mc="http://schemas.openxmlformats.org/markup-compatibility/2006">
                 <mc:Choice xmlns:v="urn:schemas-microsoft-com:vml" Requires="v">
-                  <p:oleObj spid="_x0000_s5675" name="Equation" r:id="rId15" imgW="114300" imgH="152400" progId="Equation.DSMT4">
+                  <p:oleObj spid="_x0000_s5706" name="Equation" r:id="rId14" imgW="114300" imgH="152400" progId="Equation.DSMT4">
                     <p:embed/>
                   </p:oleObj>
                 </mc:Choice>
                 <mc:Fallback>
-                  <p:oleObj name="Equation" r:id="rId15" imgW="114300" imgH="152400" progId="Equation.DSMT4">
+                  <p:oleObj name="Equation" r:id="rId14" imgW="114300" imgH="152400" progId="Equation.DSMT4">
                     <p:embed/>
                     <p:pic>
                       <p:nvPicPr>
@@ -11707,7 +11707,7 @@
                         <p:nvPr/>
                       </p:nvPicPr>
                       <p:blipFill>
-                        <a:blip r:embed="rId16"/>
+                        <a:blip r:embed="rId15"/>
                         <a:stretch>
                           <a:fillRect/>
                         </a:stretch>
@@ -12034,7 +12034,7 @@
   <a:extraClrSchemeLst/>
   <a:extLst>
     <a:ext uri="{05A4C25C-085E-4340-85A3-A5531E510DB2}">
-      <thm15:themeFamily xmlns="" xmlns:thm15="http://schemas.microsoft.com/office/thememl/2012/main" name="プレゼンテーション7" id="{423002E4-7FD9-6640-9BE1-02790D05BA1E}" vid="{82099355-738F-7B4C-8B1D-DB529BAB30B7}"/>
+      <thm15:themeFamily xmlns:thm15="http://schemas.microsoft.com/office/thememl/2012/main" xmlns="" name="プレゼンテーション7" id="{423002E4-7FD9-6640-9BE1-02790D05BA1E}" vid="{82099355-738F-7B4C-8B1D-DB529BAB30B7}"/>
     </a:ext>
   </a:extLst>
 </a:theme>
